--- a/03-python-programming-2.pptx
+++ b/03-python-programming-2.pptx
@@ -227,6 +227,11 @@
       </a:defRPr>
     </a:lvl9pPr>
   </p:defaultTextStyle>
+  <p:extLst>
+    <p:ext uri="{EFAFB233-063F-42B5-8137-9DF3F51BA10A}">
+      <p15:sldGuideLst xmlns:p15="http://schemas.microsoft.com/office/powerpoint/2012/main"/>
+    </p:ext>
+  </p:extLst>
 </p:presentation>
 </file>
 
@@ -5989,6 +5994,13 @@
   <p:clrMapOvr>
     <a:masterClrMapping/>
   </p:clrMapOvr>
+  <p:timing>
+    <p:tnLst>
+      <p:par>
+        <p:cTn id="1" dur="indefinite" restart="never" nodeType="tmRoot"/>
+      </p:par>
+    </p:tnLst>
+  </p:timing>
 </p:sld>
 </file>
 
@@ -6243,6 +6255,13 @@
   <p:clrMapOvr>
     <a:masterClrMapping/>
   </p:clrMapOvr>
+  <p:timing>
+    <p:tnLst>
+      <p:par>
+        <p:cTn id="1" dur="indefinite" restart="never" nodeType="tmRoot"/>
+      </p:par>
+    </p:tnLst>
+  </p:timing>
 </p:sld>
 </file>
 
@@ -6432,6 +6451,13 @@
   <p:clrMapOvr>
     <a:masterClrMapping/>
   </p:clrMapOvr>
+  <p:timing>
+    <p:tnLst>
+      <p:par>
+        <p:cTn id="1" dur="indefinite" restart="never" nodeType="tmRoot"/>
+      </p:par>
+    </p:tnLst>
+  </p:timing>
 </p:sld>
 </file>
 
@@ -6557,6 +6583,13 @@
   <p:clrMapOvr>
     <a:masterClrMapping/>
   </p:clrMapOvr>
+  <p:timing>
+    <p:tnLst>
+      <p:par>
+        <p:cTn id="1" dur="indefinite" restart="never" nodeType="tmRoot"/>
+      </p:par>
+    </p:tnLst>
+  </p:timing>
 </p:sld>
 </file>
 
@@ -6658,6 +6691,13 @@
   <p:clrMapOvr>
     <a:masterClrMapping/>
   </p:clrMapOvr>
+  <p:timing>
+    <p:tnLst>
+      <p:par>
+        <p:cTn id="1" dur="indefinite" restart="never" nodeType="tmRoot"/>
+      </p:par>
+    </p:tnLst>
+  </p:timing>
 </p:sld>
 </file>
 
@@ -6790,8 +6830,8 @@
         </p:nvSpPr>
         <p:spPr>
           <a:xfrm>
-            <a:off x="4641950" y="618925"/>
-            <a:ext cx="3329400" cy="3585600"/>
+            <a:off x="4641949" y="141847"/>
+            <a:ext cx="4263511" cy="3585600"/>
           </a:xfrm>
           <a:prstGeom prst="rect">
             <a:avLst/>
@@ -6814,129 +6854,199 @@
               <a:spcAft>
                 <a:spcPts val="0"/>
               </a:spcAft>
-              <a:buClr>
-                <a:schemeClr val="dk1"/>
-              </a:buClr>
-              <a:buSzPts val="1100"/>
-              <a:buFont typeface="Arial"/>
-              <a:buNone/>
-            </a:pPr>
-            <a:r>
-              <a:rPr lang="en" dirty="0"/>
-              <a:t>Team:</a:t>
-            </a:r>
-            <a:endParaRPr dirty="0"/>
+              <a:buNone/>
+            </a:pPr>
+            <a:r>
+              <a:rPr lang="en-US" dirty="0" smtClean="0"/>
+              <a:t>Teams:</a:t>
+            </a:r>
           </a:p>
           <a:p>
             <a:r>
               <a:rPr lang="en-US" dirty="0"/>
-              <a:t>Team 0: ['</a:t>
+              <a:t>Team 0:  Liam Patrick, Brevin </a:t>
             </a:r>
             <a:r>
               <a:rPr lang="en-US" dirty="0" err="1"/>
-              <a:t>Alber</a:t>
+              <a:t>Kordel</a:t>
             </a:r>
             <a:r>
               <a:rPr lang="en-US" dirty="0"/>
-              <a:t>', 'Alexander', '</a:t>
+              <a:t>, Cameron J, </a:t>
+            </a:r>
+          </a:p>
+          <a:p>
+            <a:r>
+              <a:rPr lang="en-US" dirty="0"/>
+              <a:t>Team 1:  Alec Kai, Sean M, Isaac Michael, </a:t>
+            </a:r>
+          </a:p>
+          <a:p>
+            <a:r>
+              <a:rPr lang="en-US" dirty="0"/>
+              <a:t>Team 2:  Brandon L, </a:t>
             </a:r>
             <a:r>
               <a:rPr lang="en-US" dirty="0" err="1"/>
-              <a:t>Shamal</a:t>
+              <a:t>PollyAnthony</a:t>
             </a:r>
             <a:r>
               <a:rPr lang="en-US" dirty="0"/>
-              <a:t>']</a:t>
+              <a:t>, Kyle, </a:t>
             </a:r>
           </a:p>
           <a:p>
             <a:r>
               <a:rPr lang="en-US" dirty="0"/>
-              <a:t>Team 1: ['David', 'Matt', '</a:t>
+              <a:t>Team 3:  </a:t>
             </a:r>
             <a:r>
               <a:rPr lang="en-US" dirty="0" err="1"/>
-              <a:t>Najib</a:t>
+              <a:t>Milucy</a:t>
             </a:r>
             <a:r>
               <a:rPr lang="en-US" dirty="0"/>
-              <a:t>']</a:t>
+              <a:t> Freire, Johnny V, Max M, </a:t>
             </a:r>
           </a:p>
           <a:p>
             <a:r>
               <a:rPr lang="en-US" dirty="0"/>
-              <a:t>Team 2: ['Evelyn', 'Peter', 'Cory']</a:t>
+              <a:t>Team 4:  John D., Andrew J, Christopher P, </a:t>
             </a:r>
           </a:p>
           <a:p>
             <a:r>
               <a:rPr lang="en-US" dirty="0"/>
-              <a:t>Team 3: ['Joe', '</a:t>
+              <a:t>Team 5:  </a:t>
             </a:r>
             <a:r>
               <a:rPr lang="en-US" dirty="0" err="1"/>
-              <a:t>Kermalyn</a:t>
+              <a:t>Eben</a:t>
             </a:r>
             <a:r>
               <a:rPr lang="en-US" dirty="0"/>
-              <a:t>', 'Baez']</a:t>
-            </a:r>
-          </a:p>
-          <a:p>
+              <a:t>, </a:t>
+            </a:r>
+            <a:r>
+              <a:rPr lang="en-US" dirty="0" err="1"/>
+              <a:t>Rotman</a:t>
+            </a:r>
             <a:r>
               <a:rPr lang="en-US" dirty="0"/>
-              <a:t>Team 4: ['</a:t>
+              <a:t> D, Jack Francis, </a:t>
+            </a:r>
+          </a:p>
+          <a:p>
+            <a:r>
+              <a:rPr lang="en-US" dirty="0"/>
+              <a:t>Team 6:  Chris, Shane R, John M., </a:t>
+            </a:r>
+          </a:p>
+          <a:p>
+            <a:r>
+              <a:rPr lang="en-US" dirty="0"/>
+              <a:t>Team 7:  Eric T, Alex M, Kurtis, </a:t>
+            </a:r>
+          </a:p>
+          <a:p>
+            <a:r>
+              <a:rPr lang="en-US" dirty="0"/>
+              <a:t>Team 8:  Victoria, </a:t>
             </a:r>
             <a:r>
               <a:rPr lang="en-US" dirty="0" err="1"/>
-              <a:t>Geron</a:t>
+              <a:t>Fehmina</a:t>
             </a:r>
             <a:r>
               <a:rPr lang="en-US" dirty="0"/>
-              <a:t>', '</a:t>
+              <a:t>, Jacob, </a:t>
+            </a:r>
+          </a:p>
+          <a:p>
+            <a:r>
+              <a:rPr lang="en-US" dirty="0"/>
+              <a:t>Team 9:  Sabrina N., Nate Arthur, Mikayla J, </a:t>
+            </a:r>
+          </a:p>
+          <a:p>
+            <a:r>
+              <a:rPr lang="en-US" dirty="0"/>
+              <a:t>Team 10:  </a:t>
             </a:r>
             <a:r>
               <a:rPr lang="en-US" dirty="0" err="1"/>
-              <a:t>Harout</a:t>
+              <a:t>Sedes</a:t>
             </a:r>
             <a:r>
               <a:rPr lang="en-US" dirty="0"/>
-              <a:t>', '</a:t>
+              <a:t>, Jessica, Logan, </a:t>
+            </a:r>
+          </a:p>
+          <a:p>
+            <a:r>
+              <a:rPr lang="en-US" dirty="0"/>
+              <a:t>Team 11:  Chen, Jacob Daniel, Jeffrey C, </a:t>
+            </a:r>
+          </a:p>
+          <a:p>
+            <a:r>
+              <a:rPr lang="en-US" dirty="0"/>
+              <a:t>Team 12:  Nicholas, Eunice M, John L, </a:t>
+            </a:r>
+          </a:p>
+          <a:p>
+            <a:r>
+              <a:rPr lang="en-US" dirty="0"/>
+              <a:t>Team 13:  Josh David, Lydia E, </a:t>
             </a:r>
             <a:r>
               <a:rPr lang="en-US" dirty="0" err="1"/>
-              <a:t>Susallin</a:t>
+              <a:t>HopeRose</a:t>
             </a:r>
             <a:r>
               <a:rPr lang="en-US" dirty="0"/>
-              <a:t>']</a:t>
+              <a:t> Falco, </a:t>
             </a:r>
           </a:p>
           <a:p>
             <a:r>
               <a:rPr lang="en-US" dirty="0"/>
-              <a:t>Team 5: ['Christopher', 'Aguilar', 'Gabe']</a:t>
+              <a:t>Team 14:  Michael, Ian G, Aaron, </a:t>
             </a:r>
           </a:p>
           <a:p>
             <a:r>
               <a:rPr lang="en-US" dirty="0"/>
-              <a:t>Team 6: ['</a:t>
+              <a:t>Team 15:  </a:t>
             </a:r>
             <a:r>
               <a:rPr lang="en-US" dirty="0" err="1"/>
-              <a:t>Aakash</a:t>
+              <a:t>Geoffroy</a:t>
             </a:r>
             <a:r>
               <a:rPr lang="en-US" dirty="0"/>
-              <a:t>', 'Kevin', 'David']</a:t>
+              <a:t> L, Matthew R, Thomas J, </a:t>
             </a:r>
           </a:p>
           <a:p>
             <a:r>
               <a:rPr lang="en-US" dirty="0"/>
-              <a:t>Team 7: ['Ben']</a:t>
+              <a:t>Team 16:  Christopher K, Reece D, Chris Joseph, </a:t>
+            </a:r>
+          </a:p>
+          <a:p>
+            <a:r>
+              <a:rPr lang="en-US" dirty="0"/>
+              <a:t>Team 17:  </a:t>
+            </a:r>
+            <a:r>
+              <a:rPr lang="en-US" dirty="0" err="1"/>
+              <a:t>Aman</a:t>
+            </a:r>
+            <a:r>
+              <a:rPr lang="en-US" dirty="0"/>
+              <a:t>, Mark Anthony, Cassie, </a:t>
             </a:r>
           </a:p>
           <a:p>
@@ -6958,6 +7068,13 @@
   <p:clrMapOvr>
     <a:masterClrMapping/>
   </p:clrMapOvr>
+  <p:timing>
+    <p:tnLst>
+      <p:par>
+        <p:cTn id="1" dur="indefinite" restart="never" nodeType="tmRoot"/>
+      </p:par>
+    </p:tnLst>
+  </p:timing>
 </p:sld>
 </file>
 
@@ -7557,6 +7674,13 @@
   <p:clrMapOvr>
     <a:masterClrMapping/>
   </p:clrMapOvr>
+  <p:timing>
+    <p:tnLst>
+      <p:par>
+        <p:cTn id="1" dur="indefinite" restart="never" nodeType="tmRoot"/>
+      </p:par>
+    </p:tnLst>
+  </p:timing>
 </p:sld>
 </file>
 
@@ -8031,6 +8155,13 @@
   <p:clrMapOvr>
     <a:masterClrMapping/>
   </p:clrMapOvr>
+  <p:timing>
+    <p:tnLst>
+      <p:par>
+        <p:cTn id="1" dur="indefinite" restart="never" nodeType="tmRoot"/>
+      </p:par>
+    </p:tnLst>
+  </p:timing>
 </p:sld>
 </file>
 
@@ -8934,6 +9065,13 @@
   <p:clrMapOvr>
     <a:masterClrMapping/>
   </p:clrMapOvr>
+  <p:timing>
+    <p:tnLst>
+      <p:par>
+        <p:cTn id="1" dur="indefinite" restart="never" nodeType="tmRoot"/>
+      </p:par>
+    </p:tnLst>
+  </p:timing>
 </p:sld>
 </file>
 
@@ -9333,6 +9471,13 @@
   <p:clrMapOvr>
     <a:masterClrMapping/>
   </p:clrMapOvr>
+  <p:timing>
+    <p:tnLst>
+      <p:par>
+        <p:cTn id="1" dur="indefinite" restart="never" nodeType="tmRoot"/>
+      </p:par>
+    </p:tnLst>
+  </p:timing>
 </p:sld>
 </file>
 
@@ -10090,6 +10235,13 @@
   <p:clrMapOvr>
     <a:masterClrMapping/>
   </p:clrMapOvr>
+  <p:timing>
+    <p:tnLst>
+      <p:par>
+        <p:cTn id="1" dur="indefinite" restart="never" nodeType="tmRoot"/>
+      </p:par>
+    </p:tnLst>
+  </p:timing>
 </p:sld>
 </file>
 
@@ -10621,6 +10773,13 @@
   <p:clrMapOvr>
     <a:masterClrMapping/>
   </p:clrMapOvr>
+  <p:timing>
+    <p:tnLst>
+      <p:par>
+        <p:cTn id="1" dur="indefinite" restart="never" nodeType="tmRoot"/>
+      </p:par>
+    </p:tnLst>
+  </p:timing>
 </p:sld>
 </file>
 
@@ -10775,6 +10934,13 @@
   <p:clrMapOvr>
     <a:masterClrMapping/>
   </p:clrMapOvr>
+  <p:timing>
+    <p:tnLst>
+      <p:par>
+        <p:cTn id="1" dur="indefinite" restart="never" nodeType="tmRoot"/>
+      </p:par>
+    </p:tnLst>
+  </p:timing>
 </p:sld>
 </file>
 
@@ -10919,6 +11085,13 @@
   <p:clrMapOvr>
     <a:masterClrMapping/>
   </p:clrMapOvr>
+  <p:timing>
+    <p:tnLst>
+      <p:par>
+        <p:cTn id="1" dur="indefinite" restart="never" nodeType="tmRoot"/>
+      </p:par>
+    </p:tnLst>
+  </p:timing>
 </p:sld>
 </file>
 
